--- a/thesis/Presentation1.pptx
+++ b/thesis/Presentation1.pptx
@@ -6,10 +6,16 @@
   </p:sldMasterIdLst>
   <p:sldIdLst>
     <p:sldId id="256" r:id="rId2"/>
-    <p:sldId id="257" r:id="rId3"/>
-    <p:sldId id="258" r:id="rId4"/>
-    <p:sldId id="259" r:id="rId5"/>
-    <p:sldId id="260" r:id="rId6"/>
+    <p:sldId id="261" r:id="rId3"/>
+    <p:sldId id="262" r:id="rId4"/>
+    <p:sldId id="263" r:id="rId5"/>
+    <p:sldId id="264" r:id="rId6"/>
+    <p:sldId id="265" r:id="rId7"/>
+    <p:sldId id="266" r:id="rId8"/>
+    <p:sldId id="258" r:id="rId9"/>
+    <p:sldId id="259" r:id="rId10"/>
+    <p:sldId id="260" r:id="rId11"/>
+    <p:sldId id="257" r:id="rId12"/>
   </p:sldIdLst>
   <p:sldSz cx="12192000" cy="6858000"/>
   <p:notesSz cx="6858000" cy="9144000"/>
@@ -108,7 +114,24 @@
       </a:defRPr>
     </a:lvl9pPr>
   </p:defaultTextStyle>
+  <p:extLst>
+    <p:ext uri="{EFAFB233-063F-42B5-8137-9DF3F51BA10A}">
+      <p15:sldGuideLst xmlns:p15="http://schemas.microsoft.com/office/powerpoint/2012/main"/>
+    </p:ext>
+  </p:extLst>
 </p:presentation>
+</file>
+
+<file path=ppt/commentAuthors.xml><?xml version="1.0" encoding="utf-8"?>
+<p:cmAuthorLst xmlns:a="http://schemas.openxmlformats.org/drawingml/2006/main" xmlns:r="http://schemas.openxmlformats.org/officeDocument/2006/relationships" xmlns:p="http://schemas.openxmlformats.org/presentationml/2006/main">
+  <p:cmAuthor id="1" name="Ho Hoang Phuc" initials="PH" lastIdx="1" clrIdx="0">
+    <p:extLst>
+      <p:ext uri="{19B8F6BF-5375-455C-9EA6-DF929625EA0E}">
+        <p15:presenceInfo xmlns:p15="http://schemas.microsoft.com/office/powerpoint/2012/main" userId="S::110121242@st.tvu.edu.vn::e1076c2e-ed69-443c-8c82-4f92a993530e" providerId="AD"/>
+      </p:ext>
+    </p:extLst>
+  </p:cmAuthor>
+</p:cmAuthorLst>
 </file>
 
 <file path=ppt/slideLayouts/slideLayout1.xml><?xml version="1.0" encoding="utf-8"?>
@@ -258,7 +281,7 @@
           <a:p>
             <a:fld id="{CB24DC77-4CA6-4C87-BE67-3601FCD8D56C}" type="datetimeFigureOut">
               <a:rPr lang="en-US" smtClean="0"/>
-              <a:t>1/10/2024</a:t>
+              <a:t>1/11/2024</a:t>
             </a:fld>
             <a:endParaRPr lang="en-US"/>
           </a:p>
@@ -456,7 +479,7 @@
           <a:p>
             <a:fld id="{CB24DC77-4CA6-4C87-BE67-3601FCD8D56C}" type="datetimeFigureOut">
               <a:rPr lang="en-US" smtClean="0"/>
-              <a:t>1/10/2024</a:t>
+              <a:t>1/11/2024</a:t>
             </a:fld>
             <a:endParaRPr lang="en-US"/>
           </a:p>
@@ -664,7 +687,7 @@
           <a:p>
             <a:fld id="{CB24DC77-4CA6-4C87-BE67-3601FCD8D56C}" type="datetimeFigureOut">
               <a:rPr lang="en-US" smtClean="0"/>
-              <a:t>1/10/2024</a:t>
+              <a:t>1/11/2024</a:t>
             </a:fld>
             <a:endParaRPr lang="en-US"/>
           </a:p>
@@ -862,7 +885,7 @@
           <a:p>
             <a:fld id="{CB24DC77-4CA6-4C87-BE67-3601FCD8D56C}" type="datetimeFigureOut">
               <a:rPr lang="en-US" smtClean="0"/>
-              <a:t>1/10/2024</a:t>
+              <a:t>1/11/2024</a:t>
             </a:fld>
             <a:endParaRPr lang="en-US"/>
           </a:p>
@@ -1137,7 +1160,7 @@
           <a:p>
             <a:fld id="{CB24DC77-4CA6-4C87-BE67-3601FCD8D56C}" type="datetimeFigureOut">
               <a:rPr lang="en-US" smtClean="0"/>
-              <a:t>1/10/2024</a:t>
+              <a:t>1/11/2024</a:t>
             </a:fld>
             <a:endParaRPr lang="en-US"/>
           </a:p>
@@ -1402,7 +1425,7 @@
           <a:p>
             <a:fld id="{CB24DC77-4CA6-4C87-BE67-3601FCD8D56C}" type="datetimeFigureOut">
               <a:rPr lang="en-US" smtClean="0"/>
-              <a:t>1/10/2024</a:t>
+              <a:t>1/11/2024</a:t>
             </a:fld>
             <a:endParaRPr lang="en-US"/>
           </a:p>
@@ -1814,7 +1837,7 @@
           <a:p>
             <a:fld id="{CB24DC77-4CA6-4C87-BE67-3601FCD8D56C}" type="datetimeFigureOut">
               <a:rPr lang="en-US" smtClean="0"/>
-              <a:t>1/10/2024</a:t>
+              <a:t>1/11/2024</a:t>
             </a:fld>
             <a:endParaRPr lang="en-US"/>
           </a:p>
@@ -1955,7 +1978,7 @@
           <a:p>
             <a:fld id="{CB24DC77-4CA6-4C87-BE67-3601FCD8D56C}" type="datetimeFigureOut">
               <a:rPr lang="en-US" smtClean="0"/>
-              <a:t>1/10/2024</a:t>
+              <a:t>1/11/2024</a:t>
             </a:fld>
             <a:endParaRPr lang="en-US"/>
           </a:p>
@@ -2068,7 +2091,7 @@
           <a:p>
             <a:fld id="{CB24DC77-4CA6-4C87-BE67-3601FCD8D56C}" type="datetimeFigureOut">
               <a:rPr lang="en-US" smtClean="0"/>
-              <a:t>1/10/2024</a:t>
+              <a:t>1/11/2024</a:t>
             </a:fld>
             <a:endParaRPr lang="en-US"/>
           </a:p>
@@ -2379,7 +2402,7 @@
           <a:p>
             <a:fld id="{CB24DC77-4CA6-4C87-BE67-3601FCD8D56C}" type="datetimeFigureOut">
               <a:rPr lang="en-US" smtClean="0"/>
-              <a:t>1/10/2024</a:t>
+              <a:t>1/11/2024</a:t>
             </a:fld>
             <a:endParaRPr lang="en-US"/>
           </a:p>
@@ -2667,7 +2690,7 @@
           <a:p>
             <a:fld id="{CB24DC77-4CA6-4C87-BE67-3601FCD8D56C}" type="datetimeFigureOut">
               <a:rPr lang="en-US" smtClean="0"/>
-              <a:t>1/10/2024</a:t>
+              <a:t>1/11/2024</a:t>
             </a:fld>
             <a:endParaRPr lang="en-US"/>
           </a:p>
@@ -2908,7 +2931,7 @@
           <a:p>
             <a:fld id="{CB24DC77-4CA6-4C87-BE67-3601FCD8D56C}" type="datetimeFigureOut">
               <a:rPr lang="en-US" smtClean="0"/>
-              <a:t>1/10/2024</a:t>
+              <a:t>1/11/2024</a:t>
             </a:fld>
             <a:endParaRPr lang="en-US"/>
           </a:p>
@@ -3327,10 +3350,10 @@
       </p:grpSpPr>
       <p:sp>
         <p:nvSpPr>
-          <p:cNvPr id="2" name="Title 1">
-            <a:extLst>
-              <a:ext uri="{FF2B5EF4-FFF2-40B4-BE49-F238E27FC236}">
-                <a16:creationId xmlns:a16="http://schemas.microsoft.com/office/drawing/2014/main" id="{84BB5F05-2B77-4CD4-88FC-C9D70093E6F1}"/>
+          <p:cNvPr id="2" name="Tiêu đề 1">
+            <a:extLst>
+              <a:ext uri="{FF2B5EF4-FFF2-40B4-BE49-F238E27FC236}">
+                <a16:creationId xmlns:a16="http://schemas.microsoft.com/office/drawing/2014/main" id="{FDB8CFF3-B227-E876-FD8C-7BFDA55DDD06}"/>
               </a:ext>
             </a:extLst>
           </p:cNvPr>
@@ -3341,21 +3364,60 @@
             <p:ph type="ctrTitle"/>
           </p:nvPr>
         </p:nvSpPr>
-        <p:spPr/>
-        <p:txBody>
-          <a:bodyPr/>
-          <a:lstStyle/>
-          <a:p>
-            <a:endParaRPr lang="en-US"/>
-          </a:p>
-        </p:txBody>
-      </p:sp>
-      <p:sp>
-        <p:nvSpPr>
-          <p:cNvPr id="3" name="Subtitle 2">
-            <a:extLst>
-              <a:ext uri="{FF2B5EF4-FFF2-40B4-BE49-F238E27FC236}">
-                <a16:creationId xmlns:a16="http://schemas.microsoft.com/office/drawing/2014/main" id="{29A1FD6D-78B0-C1CC-F03D-5161C2A0623E}"/>
+        <p:spPr>
+          <a:xfrm>
+            <a:off x="1463488" y="457200"/>
+            <a:ext cx="9144000" cy="840442"/>
+          </a:xfrm>
+        </p:spPr>
+        <p:txBody>
+          <a:bodyPr>
+            <a:normAutofit fontScale="90000"/>
+          </a:bodyPr>
+          <a:lstStyle/>
+          <a:p>
+            <a:pPr algn="ctr">
+              <a:lnSpc>
+                <a:spcPct val="150000"/>
+              </a:lnSpc>
+            </a:pPr>
+            <a:r>
+              <a:rPr lang="en-US" sz="1800" b="1">
+                <a:effectLst/>
+                <a:latin typeface="Times New Roman" panose="02020603050405020304" pitchFamily="18" charset="0"/>
+                <a:ea typeface="Times New Roman" panose="02020603050405020304" pitchFamily="18" charset="0"/>
+              </a:rPr>
+              <a:t>THỰC TẬP ĐỒ ÁN CƠ SỞ NGÀNH </a:t>
+            </a:r>
+            <a:br>
+              <a:rPr lang="vi-VN" sz="1800">
+                <a:effectLst/>
+                <a:latin typeface="Times New Roman" panose="02020603050405020304" pitchFamily="18" charset="0"/>
+                <a:ea typeface="Times New Roman" panose="02020603050405020304" pitchFamily="18" charset="0"/>
+              </a:rPr>
+            </a:br>
+            <a:r>
+              <a:rPr lang="en-US" sz="1800" b="1">
+                <a:effectLst/>
+                <a:latin typeface="Times New Roman" panose="02020603050405020304" pitchFamily="18" charset="0"/>
+                <a:ea typeface="Times New Roman" panose="02020603050405020304" pitchFamily="18" charset="0"/>
+              </a:rPr>
+              <a:t>HỌC KỲ 1, NĂM HỌC 2023-2024</a:t>
+            </a:r>
+            <a:endParaRPr lang="vi-VN" sz="1800">
+              <a:effectLst/>
+              <a:latin typeface="Times New Roman" panose="02020603050405020304" pitchFamily="18" charset="0"/>
+              <a:ea typeface="Times New Roman" panose="02020603050405020304" pitchFamily="18" charset="0"/>
+            </a:endParaRPr>
+          </a:p>
+        </p:txBody>
+      </p:sp>
+      <p:sp>
+        <p:nvSpPr>
+          <p:cNvPr id="3" name="Tiêu đề phụ 2">
+            <a:extLst>
+              <a:ext uri="{FF2B5EF4-FFF2-40B4-BE49-F238E27FC236}">
+                <a16:creationId xmlns:a16="http://schemas.microsoft.com/office/drawing/2014/main" id="{3F9235B5-4F7F-1AA1-BCAB-1A7ADA5F04DE}"/>
               </a:ext>
             </a:extLst>
           </p:cNvPr>
@@ -3366,19 +3428,582 @@
             <p:ph type="subTitle" idx="1"/>
           </p:nvPr>
         </p:nvSpPr>
-        <p:spPr/>
-        <p:txBody>
-          <a:bodyPr/>
-          <a:lstStyle/>
-          <a:p>
-            <a:endParaRPr lang="en-US"/>
+        <p:spPr>
+          <a:xfrm>
+            <a:off x="1524000" y="2851875"/>
+            <a:ext cx="9144000" cy="760087"/>
+          </a:xfrm>
+        </p:spPr>
+        <p:txBody>
+          <a:bodyPr>
+            <a:normAutofit/>
+          </a:bodyPr>
+          <a:lstStyle/>
+          <a:p>
+            <a:r>
+              <a:rPr lang="en-US" sz="3500" b="1" dirty="0">
+                <a:effectLst/>
+                <a:latin typeface="Times New Roman" panose="02020603050405020304" pitchFamily="18" charset="0"/>
+                <a:ea typeface="Times New Roman" panose="02020603050405020304" pitchFamily="18" charset="0"/>
+              </a:rPr>
+              <a:t>XÂY DỰNG WEBSITE BÁN GIÀY</a:t>
+            </a:r>
+            <a:endParaRPr lang="vi-VN" sz="3500" dirty="0">
+              <a:effectLst/>
+              <a:latin typeface="Times New Roman" panose="02020603050405020304" pitchFamily="18" charset="0"/>
+              <a:ea typeface="Times New Roman" panose="02020603050405020304" pitchFamily="18" charset="0"/>
+            </a:endParaRPr>
+          </a:p>
+          <a:p>
+            <a:endParaRPr lang="vi-VN" sz="3500" dirty="0"/>
+          </a:p>
+        </p:txBody>
+      </p:sp>
+      <p:sp>
+        <p:nvSpPr>
+          <p:cNvPr id="4" name="Hộp Văn bản 3">
+            <a:extLst>
+              <a:ext uri="{FF2B5EF4-FFF2-40B4-BE49-F238E27FC236}">
+                <a16:creationId xmlns:a16="http://schemas.microsoft.com/office/drawing/2014/main" id="{3C2E5F76-8B9C-265C-672D-DF7285E0858E}"/>
+              </a:ext>
+            </a:extLst>
+          </p:cNvPr>
+          <p:cNvSpPr txBox="1"/>
+          <p:nvPr/>
+        </p:nvSpPr>
+        <p:spPr>
+          <a:xfrm>
+            <a:off x="2059902" y="3965866"/>
+            <a:ext cx="2595094" cy="923330"/>
+          </a:xfrm>
+          <a:prstGeom prst="rect">
+            <a:avLst/>
+          </a:prstGeom>
+          <a:noFill/>
+        </p:spPr>
+        <p:txBody>
+          <a:bodyPr wrap="square" rtlCol="0">
+            <a:spAutoFit/>
+          </a:bodyPr>
+          <a:lstStyle/>
+          <a:p>
+            <a:r>
+              <a:rPr lang="en-US" sz="1800" i="1" dirty="0" err="1">
+                <a:effectLst/>
+                <a:latin typeface="Times New Roman" panose="02020603050405020304" pitchFamily="18" charset="0"/>
+                <a:ea typeface="Times New Roman" panose="02020603050405020304" pitchFamily="18" charset="0"/>
+              </a:rPr>
+              <a:t>Giáo</a:t>
+            </a:r>
+            <a:r>
+              <a:rPr lang="en-US" sz="1800" i="1" dirty="0">
+                <a:effectLst/>
+                <a:latin typeface="Times New Roman" panose="02020603050405020304" pitchFamily="18" charset="0"/>
+                <a:ea typeface="Times New Roman" panose="02020603050405020304" pitchFamily="18" charset="0"/>
+              </a:rPr>
+              <a:t> </a:t>
+            </a:r>
+            <a:r>
+              <a:rPr lang="en-US" sz="1800" i="1" dirty="0" err="1">
+                <a:effectLst/>
+                <a:latin typeface="Times New Roman" panose="02020603050405020304" pitchFamily="18" charset="0"/>
+                <a:ea typeface="Times New Roman" panose="02020603050405020304" pitchFamily="18" charset="0"/>
+              </a:rPr>
+              <a:t>viên</a:t>
+            </a:r>
+            <a:r>
+              <a:rPr lang="en-US" sz="1800" i="1" dirty="0">
+                <a:effectLst/>
+                <a:latin typeface="Times New Roman" panose="02020603050405020304" pitchFamily="18" charset="0"/>
+                <a:ea typeface="Times New Roman" panose="02020603050405020304" pitchFamily="18" charset="0"/>
+              </a:rPr>
+              <a:t> </a:t>
+            </a:r>
+            <a:r>
+              <a:rPr lang="en-US" sz="1800" i="1" dirty="0" err="1">
+                <a:effectLst/>
+                <a:latin typeface="Times New Roman" panose="02020603050405020304" pitchFamily="18" charset="0"/>
+                <a:ea typeface="Times New Roman" panose="02020603050405020304" pitchFamily="18" charset="0"/>
+              </a:rPr>
+              <a:t>hướng</a:t>
+            </a:r>
+            <a:r>
+              <a:rPr lang="en-US" sz="1800" i="1" dirty="0">
+                <a:effectLst/>
+                <a:latin typeface="Times New Roman" panose="02020603050405020304" pitchFamily="18" charset="0"/>
+                <a:ea typeface="Times New Roman" panose="02020603050405020304" pitchFamily="18" charset="0"/>
+              </a:rPr>
+              <a:t> </a:t>
+            </a:r>
+            <a:r>
+              <a:rPr lang="en-US" sz="1800" i="1" dirty="0" err="1">
+                <a:effectLst/>
+                <a:latin typeface="Times New Roman" panose="02020603050405020304" pitchFamily="18" charset="0"/>
+                <a:ea typeface="Times New Roman" panose="02020603050405020304" pitchFamily="18" charset="0"/>
+              </a:rPr>
+              <a:t>dẫn</a:t>
+            </a:r>
+            <a:r>
+              <a:rPr lang="en-US" sz="1800" i="1" dirty="0">
+                <a:effectLst/>
+                <a:latin typeface="Times New Roman" panose="02020603050405020304" pitchFamily="18" charset="0"/>
+                <a:ea typeface="Times New Roman" panose="02020603050405020304" pitchFamily="18" charset="0"/>
+              </a:rPr>
+              <a:t>:</a:t>
+            </a:r>
+            <a:endParaRPr lang="vi-VN" sz="1800" dirty="0">
+              <a:effectLst/>
+              <a:latin typeface="Times New Roman" panose="02020603050405020304" pitchFamily="18" charset="0"/>
+              <a:ea typeface="Times New Roman" panose="02020603050405020304" pitchFamily="18" charset="0"/>
+            </a:endParaRPr>
+          </a:p>
+          <a:p>
+            <a:r>
+              <a:rPr lang="en-US" sz="1800" dirty="0" err="1">
+                <a:effectLst/>
+                <a:latin typeface="Times New Roman" panose="02020603050405020304" pitchFamily="18" charset="0"/>
+                <a:ea typeface="Times New Roman" panose="02020603050405020304" pitchFamily="18" charset="0"/>
+              </a:rPr>
+              <a:t>ThS</a:t>
+            </a:r>
+            <a:r>
+              <a:rPr lang="en-US" sz="1800" dirty="0">
+                <a:effectLst/>
+                <a:latin typeface="Times New Roman" panose="02020603050405020304" pitchFamily="18" charset="0"/>
+                <a:ea typeface="Times New Roman" panose="02020603050405020304" pitchFamily="18" charset="0"/>
+              </a:rPr>
+              <a:t> Võ Thành C</a:t>
+            </a:r>
+            <a:endParaRPr lang="vi-VN" sz="1800" dirty="0">
+              <a:effectLst/>
+              <a:latin typeface="Times New Roman" panose="02020603050405020304" pitchFamily="18" charset="0"/>
+              <a:ea typeface="Times New Roman" panose="02020603050405020304" pitchFamily="18" charset="0"/>
+            </a:endParaRPr>
+          </a:p>
+          <a:p>
+            <a:endParaRPr lang="vi-VN" dirty="0"/>
+          </a:p>
+        </p:txBody>
+      </p:sp>
+      <p:sp>
+        <p:nvSpPr>
+          <p:cNvPr id="5" name="Hộp Văn bản 4">
+            <a:extLst>
+              <a:ext uri="{FF2B5EF4-FFF2-40B4-BE49-F238E27FC236}">
+                <a16:creationId xmlns:a16="http://schemas.microsoft.com/office/drawing/2014/main" id="{0B6EF8CB-57AF-DF7B-34A3-90826659CB90}"/>
+              </a:ext>
+            </a:extLst>
+          </p:cNvPr>
+          <p:cNvSpPr txBox="1"/>
+          <p:nvPr/>
+        </p:nvSpPr>
+        <p:spPr>
+          <a:xfrm>
+            <a:off x="7893951" y="3787479"/>
+            <a:ext cx="2403222" cy="1477328"/>
+          </a:xfrm>
+          <a:prstGeom prst="rect">
+            <a:avLst/>
+          </a:prstGeom>
+          <a:noFill/>
+        </p:spPr>
+        <p:txBody>
+          <a:bodyPr wrap="none" rtlCol="0">
+            <a:spAutoFit/>
+          </a:bodyPr>
+          <a:lstStyle/>
+          <a:p>
+            <a:r>
+              <a:rPr lang="en-US" sz="1800" i="1" dirty="0">
+                <a:effectLst/>
+                <a:latin typeface="Times New Roman" panose="02020603050405020304" pitchFamily="18" charset="0"/>
+                <a:ea typeface="Times New Roman" panose="02020603050405020304" pitchFamily="18" charset="0"/>
+              </a:rPr>
+              <a:t>Sinh </a:t>
+            </a:r>
+            <a:r>
+              <a:rPr lang="en-US" sz="1800" i="1" dirty="0" err="1">
+                <a:effectLst/>
+                <a:latin typeface="Times New Roman" panose="02020603050405020304" pitchFamily="18" charset="0"/>
+                <a:ea typeface="Times New Roman" panose="02020603050405020304" pitchFamily="18" charset="0"/>
+              </a:rPr>
+              <a:t>viên</a:t>
+            </a:r>
+            <a:r>
+              <a:rPr lang="en-US" sz="1800" i="1" dirty="0">
+                <a:effectLst/>
+                <a:latin typeface="Times New Roman" panose="02020603050405020304" pitchFamily="18" charset="0"/>
+                <a:ea typeface="Times New Roman" panose="02020603050405020304" pitchFamily="18" charset="0"/>
+              </a:rPr>
+              <a:t> </a:t>
+            </a:r>
+            <a:r>
+              <a:rPr lang="en-US" sz="1800" i="1" dirty="0" err="1">
+                <a:effectLst/>
+                <a:latin typeface="Times New Roman" panose="02020603050405020304" pitchFamily="18" charset="0"/>
+                <a:ea typeface="Times New Roman" panose="02020603050405020304" pitchFamily="18" charset="0"/>
+              </a:rPr>
+              <a:t>thực</a:t>
+            </a:r>
+            <a:r>
+              <a:rPr lang="en-US" sz="1800" i="1" dirty="0">
+                <a:effectLst/>
+                <a:latin typeface="Times New Roman" panose="02020603050405020304" pitchFamily="18" charset="0"/>
+                <a:ea typeface="Times New Roman" panose="02020603050405020304" pitchFamily="18" charset="0"/>
+              </a:rPr>
+              <a:t> </a:t>
+            </a:r>
+            <a:r>
+              <a:rPr lang="en-US" sz="1800" i="1" dirty="0" err="1">
+                <a:effectLst/>
+                <a:latin typeface="Times New Roman" panose="02020603050405020304" pitchFamily="18" charset="0"/>
+                <a:ea typeface="Times New Roman" panose="02020603050405020304" pitchFamily="18" charset="0"/>
+              </a:rPr>
+              <a:t>hiện</a:t>
+            </a:r>
+            <a:r>
+              <a:rPr lang="en-US" sz="1800" i="1" dirty="0">
+                <a:effectLst/>
+                <a:latin typeface="Times New Roman" panose="02020603050405020304" pitchFamily="18" charset="0"/>
+                <a:ea typeface="Times New Roman" panose="02020603050405020304" pitchFamily="18" charset="0"/>
+              </a:rPr>
+              <a:t>:</a:t>
+            </a:r>
+            <a:endParaRPr lang="vi-VN" sz="1800" dirty="0">
+              <a:effectLst/>
+              <a:latin typeface="Times New Roman" panose="02020603050405020304" pitchFamily="18" charset="0"/>
+              <a:ea typeface="Times New Roman" panose="02020603050405020304" pitchFamily="18" charset="0"/>
+            </a:endParaRPr>
+          </a:p>
+          <a:p>
+            <a:r>
+              <a:rPr lang="en-US" sz="1800" dirty="0" err="1">
+                <a:effectLst/>
+                <a:latin typeface="Times New Roman" panose="02020603050405020304" pitchFamily="18" charset="0"/>
+                <a:ea typeface="Times New Roman" panose="02020603050405020304" pitchFamily="18" charset="0"/>
+              </a:rPr>
+              <a:t>Họ</a:t>
+            </a:r>
+            <a:r>
+              <a:rPr lang="en-US" sz="1800" dirty="0">
+                <a:effectLst/>
+                <a:latin typeface="Times New Roman" panose="02020603050405020304" pitchFamily="18" charset="0"/>
+                <a:ea typeface="Times New Roman" panose="02020603050405020304" pitchFamily="18" charset="0"/>
+              </a:rPr>
+              <a:t> </a:t>
+            </a:r>
+            <a:r>
+              <a:rPr lang="en-US" sz="1800" dirty="0" err="1">
+                <a:effectLst/>
+                <a:latin typeface="Times New Roman" panose="02020603050405020304" pitchFamily="18" charset="0"/>
+                <a:ea typeface="Times New Roman" panose="02020603050405020304" pitchFamily="18" charset="0"/>
+              </a:rPr>
+              <a:t>tên</a:t>
+            </a:r>
+            <a:r>
+              <a:rPr lang="en-US" sz="1800" dirty="0">
+                <a:effectLst/>
+                <a:latin typeface="Times New Roman" panose="02020603050405020304" pitchFamily="18" charset="0"/>
+                <a:ea typeface="Times New Roman" panose="02020603050405020304" pitchFamily="18" charset="0"/>
+              </a:rPr>
+              <a:t>: </a:t>
+            </a:r>
+            <a:r>
+              <a:rPr lang="en-US" sz="1800" dirty="0" err="1">
+                <a:effectLst/>
+                <a:latin typeface="Times New Roman" panose="02020603050405020304" pitchFamily="18" charset="0"/>
+                <a:ea typeface="Times New Roman" panose="02020603050405020304" pitchFamily="18" charset="0"/>
+              </a:rPr>
+              <a:t>Hồ</a:t>
+            </a:r>
+            <a:r>
+              <a:rPr lang="en-US" sz="1800" dirty="0">
+                <a:effectLst/>
+                <a:latin typeface="Times New Roman" panose="02020603050405020304" pitchFamily="18" charset="0"/>
+                <a:ea typeface="Times New Roman" panose="02020603050405020304" pitchFamily="18" charset="0"/>
+              </a:rPr>
+              <a:t> Hoàng Phúc</a:t>
+            </a:r>
+            <a:endParaRPr lang="vi-VN" sz="1800" dirty="0">
+              <a:effectLst/>
+              <a:latin typeface="Times New Roman" panose="02020603050405020304" pitchFamily="18" charset="0"/>
+              <a:ea typeface="Times New Roman" panose="02020603050405020304" pitchFamily="18" charset="0"/>
+            </a:endParaRPr>
+          </a:p>
+          <a:p>
+            <a:r>
+              <a:rPr lang="en-US" sz="1800" dirty="0">
+                <a:effectLst/>
+                <a:latin typeface="Times New Roman" panose="02020603050405020304" pitchFamily="18" charset="0"/>
+                <a:ea typeface="Times New Roman" panose="02020603050405020304" pitchFamily="18" charset="0"/>
+              </a:rPr>
+              <a:t>MSSV: 110121242</a:t>
+            </a:r>
+            <a:endParaRPr lang="vi-VN" sz="1800" dirty="0">
+              <a:effectLst/>
+              <a:latin typeface="Times New Roman" panose="02020603050405020304" pitchFamily="18" charset="0"/>
+              <a:ea typeface="Times New Roman" panose="02020603050405020304" pitchFamily="18" charset="0"/>
+            </a:endParaRPr>
+          </a:p>
+          <a:p>
+            <a:r>
+              <a:rPr lang="en-US" sz="1800" dirty="0" err="1">
+                <a:effectLst/>
+                <a:latin typeface="Times New Roman" panose="02020603050405020304" pitchFamily="18" charset="0"/>
+                <a:ea typeface="Times New Roman" panose="02020603050405020304" pitchFamily="18" charset="0"/>
+              </a:rPr>
+              <a:t>Lớp</a:t>
+            </a:r>
+            <a:r>
+              <a:rPr lang="en-US" sz="1800" dirty="0">
+                <a:effectLst/>
+                <a:latin typeface="Times New Roman" panose="02020603050405020304" pitchFamily="18" charset="0"/>
+                <a:ea typeface="Times New Roman" panose="02020603050405020304" pitchFamily="18" charset="0"/>
+              </a:rPr>
+              <a:t>: DA21TTA</a:t>
+            </a:r>
+            <a:endParaRPr lang="vi-VN" sz="1800" dirty="0">
+              <a:effectLst/>
+              <a:latin typeface="Times New Roman" panose="02020603050405020304" pitchFamily="18" charset="0"/>
+              <a:ea typeface="Times New Roman" panose="02020603050405020304" pitchFamily="18" charset="0"/>
+            </a:endParaRPr>
+          </a:p>
+          <a:p>
+            <a:endParaRPr lang="vi-VN" dirty="0"/>
+          </a:p>
+        </p:txBody>
+      </p:sp>
+      <p:sp>
+        <p:nvSpPr>
+          <p:cNvPr id="6" name="Hộp Văn bản 5">
+            <a:extLst>
+              <a:ext uri="{FF2B5EF4-FFF2-40B4-BE49-F238E27FC236}">
+                <a16:creationId xmlns:a16="http://schemas.microsoft.com/office/drawing/2014/main" id="{54CE5BFB-CC36-DD10-06A0-9DB3689EE244}"/>
+              </a:ext>
+            </a:extLst>
+          </p:cNvPr>
+          <p:cNvSpPr txBox="1"/>
+          <p:nvPr/>
+        </p:nvSpPr>
+        <p:spPr>
+          <a:xfrm>
+            <a:off x="4654996" y="5754469"/>
+            <a:ext cx="2882007" cy="646331"/>
+          </a:xfrm>
+          <a:prstGeom prst="rect">
+            <a:avLst/>
+          </a:prstGeom>
+          <a:noFill/>
+        </p:spPr>
+        <p:txBody>
+          <a:bodyPr wrap="none" rtlCol="0">
+            <a:spAutoFit/>
+          </a:bodyPr>
+          <a:lstStyle/>
+          <a:p>
+            <a:r>
+              <a:rPr lang="en-US" sz="1800" b="1" i="1" err="1">
+                <a:effectLst/>
+                <a:latin typeface="Times New Roman" panose="02020603050405020304" pitchFamily="18" charset="0"/>
+                <a:ea typeface="Times New Roman" panose="02020603050405020304" pitchFamily="18" charset="0"/>
+              </a:rPr>
+              <a:t>Trà</a:t>
+            </a:r>
+            <a:r>
+              <a:rPr lang="en-US" sz="1800" b="1" i="1">
+                <a:effectLst/>
+                <a:latin typeface="Times New Roman" panose="02020603050405020304" pitchFamily="18" charset="0"/>
+                <a:ea typeface="Times New Roman" panose="02020603050405020304" pitchFamily="18" charset="0"/>
+              </a:rPr>
+              <a:t> Vinh, tháng 1 năm 2024</a:t>
+            </a:r>
+            <a:endParaRPr lang="vi-VN" sz="1800">
+              <a:effectLst/>
+              <a:latin typeface="Times New Roman" panose="02020603050405020304" pitchFamily="18" charset="0"/>
+              <a:ea typeface="Times New Roman" panose="02020603050405020304" pitchFamily="18" charset="0"/>
+            </a:endParaRPr>
+          </a:p>
+          <a:p>
+            <a:endParaRPr lang="vi-VN"/>
+          </a:p>
+        </p:txBody>
+      </p:sp>
+      <p:pic>
+        <p:nvPicPr>
+          <p:cNvPr id="1026" name="Picture 2">
+            <a:extLst>
+              <a:ext uri="{FF2B5EF4-FFF2-40B4-BE49-F238E27FC236}">
+                <a16:creationId xmlns:a16="http://schemas.microsoft.com/office/drawing/2014/main" id="{16177426-8579-4FE0-9446-59AD97651556}"/>
+              </a:ext>
+            </a:extLst>
+          </p:cNvPr>
+          <p:cNvPicPr>
+            <a:picLocks noChangeAspect="1" noChangeArrowheads="1"/>
+          </p:cNvPicPr>
+          <p:nvPr/>
+        </p:nvPicPr>
+        <p:blipFill>
+          <a:blip r:embed="rId2">
+            <a:extLst>
+              <a:ext uri="{28A0092B-C50C-407E-A947-70E740481C1C}">
+                <a14:useLocalDpi xmlns:a14="http://schemas.microsoft.com/office/drawing/2010/main" val="0"/>
+              </a:ext>
+            </a:extLst>
+          </a:blip>
+          <a:srcRect/>
+          <a:stretch>
+            <a:fillRect/>
+          </a:stretch>
+        </p:blipFill>
+        <p:spPr bwMode="auto">
+          <a:xfrm>
+            <a:off x="5638800" y="1537256"/>
+            <a:ext cx="914400" cy="914400"/>
+          </a:xfrm>
+          <a:prstGeom prst="rect">
+            <a:avLst/>
+          </a:prstGeom>
+          <a:noFill/>
+          <a:ln>
+            <a:noFill/>
+          </a:ln>
+          <a:extLst>
+            <a:ext uri="{909E8E84-426E-40DD-AFC4-6F175D3DCCD1}">
+              <a14:hiddenFill xmlns:a14="http://schemas.microsoft.com/office/drawing/2010/main">
+                <a:solidFill>
+                  <a:srgbClr val="FFFFFF"/>
+                </a:solidFill>
+              </a14:hiddenFill>
+            </a:ext>
+            <a:ext uri="{91240B29-F687-4F45-9708-019B960494DF}">
+              <a14:hiddenLine xmlns:a14="http://schemas.microsoft.com/office/drawing/2010/main" w="9525">
+                <a:solidFill>
+                  <a:srgbClr val="000000"/>
+                </a:solidFill>
+                <a:miter lim="800000"/>
+                <a:headEnd/>
+                <a:tailEnd/>
+              </a14:hiddenLine>
+            </a:ext>
+          </a:extLst>
+        </p:spPr>
+      </p:pic>
+      <p:sp>
+        <p:nvSpPr>
+          <p:cNvPr id="7" name="Slide Number Placeholder 6">
+            <a:extLst>
+              <a:ext uri="{FF2B5EF4-FFF2-40B4-BE49-F238E27FC236}">
+                <a16:creationId xmlns:a16="http://schemas.microsoft.com/office/drawing/2014/main" id="{24FB4693-BBFF-A64A-8D64-7A261A98B970}"/>
+              </a:ext>
+            </a:extLst>
+          </p:cNvPr>
+          <p:cNvSpPr>
+            <a:spLocks noGrp="1"/>
+          </p:cNvSpPr>
+          <p:nvPr>
+            <p:ph type="sldNum" sz="quarter" idx="12"/>
+          </p:nvPr>
+        </p:nvSpPr>
+        <p:spPr/>
+        <p:txBody>
+          <a:bodyPr/>
+          <a:lstStyle/>
+          <a:p>
+            <a:fld id="{E4B5E362-469B-43B9-A133-178F0BAD0EDC}" type="slidenum">
+              <a:rPr lang="vi-VN" smtClean="0"/>
+              <a:t>1</a:t>
+            </a:fld>
+            <a:endParaRPr lang="vi-VN"/>
           </a:p>
         </p:txBody>
       </p:sp>
     </p:spTree>
     <p:extLst>
       <p:ext uri="{BB962C8B-B14F-4D97-AF65-F5344CB8AC3E}">
-        <p14:creationId xmlns:p14="http://schemas.microsoft.com/office/powerpoint/2010/main" val="1570018495"/>
+        <p14:creationId xmlns:p14="http://schemas.microsoft.com/office/powerpoint/2010/main" val="169786795"/>
+      </p:ext>
+    </p:extLst>
+  </p:cSld>
+  <p:clrMapOvr>
+    <a:masterClrMapping/>
+  </p:clrMapOvr>
+  <p:transition spd="slow">
+    <p:push dir="u"/>
+  </p:transition>
+</p:sld>
+</file>
+
+<file path=ppt/slides/slide10.xml><?xml version="1.0" encoding="utf-8"?>
+<p:sld xmlns:a="http://schemas.openxmlformats.org/drawingml/2006/main" xmlns:r="http://schemas.openxmlformats.org/officeDocument/2006/relationships" xmlns:p="http://schemas.openxmlformats.org/presentationml/2006/main">
+  <p:cSld>
+    <p:spTree>
+      <p:nvGrpSpPr>
+        <p:cNvPr id="1" name=""/>
+        <p:cNvGrpSpPr/>
+        <p:nvPr/>
+      </p:nvGrpSpPr>
+      <p:grpSpPr>
+        <a:xfrm>
+          <a:off x="0" y="0"/>
+          <a:ext cx="0" cy="0"/>
+          <a:chOff x="0" y="0"/>
+          <a:chExt cx="0" cy="0"/>
+        </a:xfrm>
+      </p:grpSpPr>
+      <p:sp>
+        <p:nvSpPr>
+          <p:cNvPr id="2" name="Title 1">
+            <a:extLst>
+              <a:ext uri="{FF2B5EF4-FFF2-40B4-BE49-F238E27FC236}">
+                <a16:creationId xmlns:a16="http://schemas.microsoft.com/office/drawing/2014/main" id="{84BB5F05-2B77-4CD4-88FC-C9D70093E6F1}"/>
+              </a:ext>
+            </a:extLst>
+          </p:cNvPr>
+          <p:cNvSpPr>
+            <a:spLocks noGrp="1"/>
+          </p:cNvSpPr>
+          <p:nvPr>
+            <p:ph type="ctrTitle"/>
+          </p:nvPr>
+        </p:nvSpPr>
+        <p:spPr/>
+        <p:txBody>
+          <a:bodyPr/>
+          <a:lstStyle/>
+          <a:p>
+            <a:endParaRPr lang="en-US"/>
+          </a:p>
+        </p:txBody>
+      </p:sp>
+      <p:sp>
+        <p:nvSpPr>
+          <p:cNvPr id="3" name="Subtitle 2">
+            <a:extLst>
+              <a:ext uri="{FF2B5EF4-FFF2-40B4-BE49-F238E27FC236}">
+                <a16:creationId xmlns:a16="http://schemas.microsoft.com/office/drawing/2014/main" id="{29A1FD6D-78B0-C1CC-F03D-5161C2A0623E}"/>
+              </a:ext>
+            </a:extLst>
+          </p:cNvPr>
+          <p:cNvSpPr>
+            <a:spLocks noGrp="1"/>
+          </p:cNvSpPr>
+          <p:nvPr>
+            <p:ph type="subTitle" idx="1"/>
+          </p:nvPr>
+        </p:nvSpPr>
+        <p:spPr/>
+        <p:txBody>
+          <a:bodyPr/>
+          <a:lstStyle/>
+          <a:p>
+            <a:endParaRPr lang="en-US"/>
+          </a:p>
+        </p:txBody>
+      </p:sp>
+    </p:spTree>
+    <p:extLst>
+      <p:ext uri="{BB962C8B-B14F-4D97-AF65-F5344CB8AC3E}">
+        <p14:creationId xmlns:p14="http://schemas.microsoft.com/office/powerpoint/2010/main" val="43189027"/>
       </p:ext>
     </p:extLst>
   </p:cSld>
@@ -3388,7 +4013,7 @@
 </p:sld>
 </file>
 
-<file path=ppt/slides/slide2.xml><?xml version="1.0" encoding="utf-8"?>
+<file path=ppt/slides/slide11.xml><?xml version="1.0" encoding="utf-8"?>
 <p:sld xmlns:a="http://schemas.openxmlformats.org/drawingml/2006/main" xmlns:r="http://schemas.openxmlformats.org/officeDocument/2006/relationships" xmlns:p="http://schemas.openxmlformats.org/presentationml/2006/main">
   <p:cSld>
     <p:spTree>
@@ -3498,6 +4123,365 @@
 </p:sld>
 </file>
 
+<file path=ppt/slides/slide2.xml><?xml version="1.0" encoding="utf-8"?>
+<p:sld xmlns:a="http://schemas.openxmlformats.org/drawingml/2006/main" xmlns:r="http://schemas.openxmlformats.org/officeDocument/2006/relationships" xmlns:p="http://schemas.openxmlformats.org/presentationml/2006/main">
+  <p:cSld>
+    <p:bg>
+      <p:bgPr>
+        <a:solidFill>
+          <a:schemeClr val="bg1">
+            <a:alpha val="86000"/>
+          </a:schemeClr>
+        </a:solidFill>
+        <a:effectLst/>
+      </p:bgPr>
+    </p:bg>
+    <p:spTree>
+      <p:nvGrpSpPr>
+        <p:cNvPr id="1" name=""/>
+        <p:cNvGrpSpPr/>
+        <p:nvPr/>
+      </p:nvGrpSpPr>
+      <p:grpSpPr>
+        <a:xfrm>
+          <a:off x="0" y="0"/>
+          <a:ext cx="0" cy="0"/>
+          <a:chOff x="0" y="0"/>
+          <a:chExt cx="0" cy="0"/>
+        </a:xfrm>
+      </p:grpSpPr>
+      <p:sp>
+        <p:nvSpPr>
+          <p:cNvPr id="5" name="Title 4">
+            <a:extLst>
+              <a:ext uri="{FF2B5EF4-FFF2-40B4-BE49-F238E27FC236}">
+                <a16:creationId xmlns:a16="http://schemas.microsoft.com/office/drawing/2014/main" id="{1FB7586F-0549-2C83-7607-C4056032D200}"/>
+              </a:ext>
+            </a:extLst>
+          </p:cNvPr>
+          <p:cNvSpPr>
+            <a:spLocks noGrp="1"/>
+          </p:cNvSpPr>
+          <p:nvPr>
+            <p:ph type="title"/>
+          </p:nvPr>
+        </p:nvSpPr>
+        <p:spPr/>
+        <p:txBody>
+          <a:bodyPr/>
+          <a:lstStyle/>
+          <a:p>
+            <a:pPr algn="ctr"/>
+            <a:r>
+              <a:rPr lang="en-US" b="1" dirty="0">
+                <a:latin typeface="Times New Roman" panose="02020603050405020304" pitchFamily="18" charset="0"/>
+                <a:cs typeface="Times New Roman" panose="02020603050405020304" pitchFamily="18" charset="0"/>
+              </a:rPr>
+              <a:t>NỘI DUNG</a:t>
+            </a:r>
+          </a:p>
+        </p:txBody>
+      </p:sp>
+      <p:sp>
+        <p:nvSpPr>
+          <p:cNvPr id="15" name="Rectangle: Rounded Corners 14">
+            <a:extLst>
+              <a:ext uri="{FF2B5EF4-FFF2-40B4-BE49-F238E27FC236}">
+                <a16:creationId xmlns:a16="http://schemas.microsoft.com/office/drawing/2014/main" id="{0CC837AF-2747-B1C0-73F6-CF0F0F2D4C0E}"/>
+              </a:ext>
+            </a:extLst>
+          </p:cNvPr>
+          <p:cNvSpPr/>
+          <p:nvPr/>
+        </p:nvSpPr>
+        <p:spPr>
+          <a:xfrm>
+            <a:off x="2398338" y="5380546"/>
+            <a:ext cx="7395324" cy="747049"/>
+          </a:xfrm>
+          <a:prstGeom prst="roundRect">
+            <a:avLst/>
+          </a:prstGeom>
+          <a:ln/>
+        </p:spPr>
+        <p:style>
+          <a:lnRef idx="2">
+            <a:schemeClr val="dk1">
+              <a:shade val="15000"/>
+            </a:schemeClr>
+          </a:lnRef>
+          <a:fillRef idx="1">
+            <a:schemeClr val="dk1"/>
+          </a:fillRef>
+          <a:effectRef idx="0">
+            <a:schemeClr val="dk1"/>
+          </a:effectRef>
+          <a:fontRef idx="minor">
+            <a:schemeClr val="lt1"/>
+          </a:fontRef>
+        </p:style>
+        <p:txBody>
+          <a:bodyPr rtlCol="0" anchor="ctr"/>
+          <a:lstStyle/>
+          <a:p>
+            <a:pPr marL="0" indent="0">
+              <a:buNone/>
+            </a:pPr>
+            <a:r>
+              <a:rPr lang="en-US" dirty="0">
+                <a:latin typeface="Times New Roman" panose="02020603050405020304" pitchFamily="18" charset="0"/>
+                <a:cs typeface="Times New Roman" panose="02020603050405020304" pitchFamily="18" charset="0"/>
+              </a:rPr>
+              <a:t>CHƯƠNG 5: KẾT LUẬN VÀ HƯỚNG PHÁT TRIỂN</a:t>
+            </a:r>
+          </a:p>
+        </p:txBody>
+      </p:sp>
+      <p:sp>
+        <p:nvSpPr>
+          <p:cNvPr id="17" name="Rectangle: Rounded Corners 16">
+            <a:extLst>
+              <a:ext uri="{FF2B5EF4-FFF2-40B4-BE49-F238E27FC236}">
+                <a16:creationId xmlns:a16="http://schemas.microsoft.com/office/drawing/2014/main" id="{4E23AC56-CDF8-DF65-F1DF-CE97E7916A62}"/>
+              </a:ext>
+            </a:extLst>
+          </p:cNvPr>
+          <p:cNvSpPr/>
+          <p:nvPr/>
+        </p:nvSpPr>
+        <p:spPr>
+          <a:xfrm>
+            <a:off x="2398338" y="1690688"/>
+            <a:ext cx="7395324" cy="747049"/>
+          </a:xfrm>
+          <a:prstGeom prst="roundRect">
+            <a:avLst/>
+          </a:prstGeom>
+          <a:ln/>
+        </p:spPr>
+        <p:style>
+          <a:lnRef idx="2">
+            <a:schemeClr val="dk1">
+              <a:shade val="15000"/>
+            </a:schemeClr>
+          </a:lnRef>
+          <a:fillRef idx="1">
+            <a:schemeClr val="dk1"/>
+          </a:fillRef>
+          <a:effectRef idx="0">
+            <a:schemeClr val="dk1"/>
+          </a:effectRef>
+          <a:fontRef idx="minor">
+            <a:schemeClr val="lt1"/>
+          </a:fontRef>
+        </p:style>
+        <p:txBody>
+          <a:bodyPr rtlCol="0" anchor="ctr"/>
+          <a:lstStyle/>
+          <a:p>
+            <a:pPr marL="0" indent="0">
+              <a:buNone/>
+            </a:pPr>
+            <a:r>
+              <a:rPr lang="en-US" dirty="0">
+                <a:latin typeface="Times New Roman" panose="02020603050405020304" pitchFamily="18" charset="0"/>
+                <a:cs typeface="Times New Roman" panose="02020603050405020304" pitchFamily="18" charset="0"/>
+              </a:rPr>
+              <a:t>CHƯƠNG 1: TỔNG QUAN</a:t>
+            </a:r>
+          </a:p>
+        </p:txBody>
+      </p:sp>
+      <p:sp>
+        <p:nvSpPr>
+          <p:cNvPr id="18" name="Rectangle: Rounded Corners 17">
+            <a:extLst>
+              <a:ext uri="{FF2B5EF4-FFF2-40B4-BE49-F238E27FC236}">
+                <a16:creationId xmlns:a16="http://schemas.microsoft.com/office/drawing/2014/main" id="{F0319D64-59FA-48D0-1D9A-7E8BEEE63433}"/>
+              </a:ext>
+            </a:extLst>
+          </p:cNvPr>
+          <p:cNvSpPr/>
+          <p:nvPr/>
+        </p:nvSpPr>
+        <p:spPr>
+          <a:xfrm>
+            <a:off x="2398338" y="2613760"/>
+            <a:ext cx="7395324" cy="747049"/>
+          </a:xfrm>
+          <a:prstGeom prst="roundRect">
+            <a:avLst/>
+          </a:prstGeom>
+          <a:ln/>
+        </p:spPr>
+        <p:style>
+          <a:lnRef idx="2">
+            <a:schemeClr val="dk1">
+              <a:shade val="15000"/>
+            </a:schemeClr>
+          </a:lnRef>
+          <a:fillRef idx="1">
+            <a:schemeClr val="dk1"/>
+          </a:fillRef>
+          <a:effectRef idx="0">
+            <a:schemeClr val="dk1"/>
+          </a:effectRef>
+          <a:fontRef idx="minor">
+            <a:schemeClr val="lt1"/>
+          </a:fontRef>
+        </p:style>
+        <p:txBody>
+          <a:bodyPr rtlCol="0" anchor="ctr"/>
+          <a:lstStyle/>
+          <a:p>
+            <a:pPr marL="0" indent="0">
+              <a:buNone/>
+            </a:pPr>
+            <a:r>
+              <a:rPr lang="en-US" dirty="0">
+                <a:latin typeface="Times New Roman" panose="02020603050405020304" pitchFamily="18" charset="0"/>
+                <a:cs typeface="Times New Roman" panose="02020603050405020304" pitchFamily="18" charset="0"/>
+              </a:rPr>
+              <a:t>CHƯƠNG 2: NGHIÊN CỨU LÝ THUYẾT</a:t>
+            </a:r>
+          </a:p>
+        </p:txBody>
+      </p:sp>
+      <p:sp>
+        <p:nvSpPr>
+          <p:cNvPr id="19" name="Rectangle: Rounded Corners 18">
+            <a:extLst>
+              <a:ext uri="{FF2B5EF4-FFF2-40B4-BE49-F238E27FC236}">
+                <a16:creationId xmlns:a16="http://schemas.microsoft.com/office/drawing/2014/main" id="{FB7ED71C-CF39-552B-1CA6-64B9BA9DB3C5}"/>
+              </a:ext>
+            </a:extLst>
+          </p:cNvPr>
+          <p:cNvSpPr/>
+          <p:nvPr/>
+        </p:nvSpPr>
+        <p:spPr>
+          <a:xfrm>
+            <a:off x="2398338" y="3536022"/>
+            <a:ext cx="7395324" cy="747049"/>
+          </a:xfrm>
+          <a:prstGeom prst="roundRect">
+            <a:avLst/>
+          </a:prstGeom>
+          <a:ln/>
+        </p:spPr>
+        <p:style>
+          <a:lnRef idx="2">
+            <a:schemeClr val="dk1">
+              <a:shade val="15000"/>
+            </a:schemeClr>
+          </a:lnRef>
+          <a:fillRef idx="1">
+            <a:schemeClr val="dk1"/>
+          </a:fillRef>
+          <a:effectRef idx="0">
+            <a:schemeClr val="dk1"/>
+          </a:effectRef>
+          <a:fontRef idx="minor">
+            <a:schemeClr val="lt1"/>
+          </a:fontRef>
+        </p:style>
+        <p:txBody>
+          <a:bodyPr rtlCol="0" anchor="ctr"/>
+          <a:lstStyle/>
+          <a:p>
+            <a:pPr marL="0" indent="0">
+              <a:buNone/>
+            </a:pPr>
+            <a:r>
+              <a:rPr lang="en-US" dirty="0">
+                <a:latin typeface="Times New Roman" panose="02020603050405020304" pitchFamily="18" charset="0"/>
+                <a:cs typeface="Times New Roman" panose="02020603050405020304" pitchFamily="18" charset="0"/>
+              </a:rPr>
+              <a:t>CHƯƠNG 3: HIỆN THỰC HÓA NGHIÊN CỨU</a:t>
+            </a:r>
+          </a:p>
+        </p:txBody>
+      </p:sp>
+      <p:sp>
+        <p:nvSpPr>
+          <p:cNvPr id="20" name="Rectangle: Rounded Corners 19">
+            <a:extLst>
+              <a:ext uri="{FF2B5EF4-FFF2-40B4-BE49-F238E27FC236}">
+                <a16:creationId xmlns:a16="http://schemas.microsoft.com/office/drawing/2014/main" id="{A8563DF8-A770-D914-549B-E30D3C526E03}"/>
+              </a:ext>
+            </a:extLst>
+          </p:cNvPr>
+          <p:cNvSpPr/>
+          <p:nvPr/>
+        </p:nvSpPr>
+        <p:spPr>
+          <a:xfrm>
+            <a:off x="2398338" y="4458284"/>
+            <a:ext cx="7395324" cy="747049"/>
+          </a:xfrm>
+          <a:prstGeom prst="roundRect">
+            <a:avLst/>
+          </a:prstGeom>
+          <a:ln/>
+        </p:spPr>
+        <p:style>
+          <a:lnRef idx="2">
+            <a:schemeClr val="dk1">
+              <a:shade val="15000"/>
+            </a:schemeClr>
+          </a:lnRef>
+          <a:fillRef idx="1">
+            <a:schemeClr val="dk1"/>
+          </a:fillRef>
+          <a:effectRef idx="0">
+            <a:schemeClr val="dk1"/>
+          </a:effectRef>
+          <a:fontRef idx="minor">
+            <a:schemeClr val="lt1"/>
+          </a:fontRef>
+        </p:style>
+        <p:txBody>
+          <a:bodyPr rtlCol="0" anchor="ctr"/>
+          <a:lstStyle/>
+          <a:p>
+            <a:pPr marL="0" indent="0">
+              <a:buNone/>
+            </a:pPr>
+            <a:r>
+              <a:rPr lang="en-US" dirty="0">
+                <a:latin typeface="Times New Roman" panose="02020603050405020304" pitchFamily="18" charset="0"/>
+                <a:cs typeface="Times New Roman" panose="02020603050405020304" pitchFamily="18" charset="0"/>
+              </a:rPr>
+              <a:t>CHƯƠNG 4: KẾT QUẢ NGHIÊN CỨU</a:t>
+            </a:r>
+          </a:p>
+        </p:txBody>
+      </p:sp>
+    </p:spTree>
+    <p:extLst>
+      <p:ext uri="{BB962C8B-B14F-4D97-AF65-F5344CB8AC3E}">
+        <p14:creationId xmlns:p14="http://schemas.microsoft.com/office/powerpoint/2010/main" val="3924978141"/>
+      </p:ext>
+    </p:extLst>
+  </p:cSld>
+  <p:clrMapOvr>
+    <a:masterClrMapping/>
+  </p:clrMapOvr>
+  <mc:AlternateContent xmlns:mc="http://schemas.openxmlformats.org/markup-compatibility/2006">
+    <mc:Choice xmlns:p14="http://schemas.microsoft.com/office/powerpoint/2010/main" Requires="p14">
+      <p:transition spd="slow" p14:dur="1500">
+        <p:split orient="vert"/>
+      </p:transition>
+    </mc:Choice>
+    <mc:Fallback>
+      <p:transition spd="slow">
+        <p:split orient="vert"/>
+      </p:transition>
+    </mc:Fallback>
+  </mc:AlternateContent>
+</p:sld>
+</file>
+
 <file path=ppt/slides/slide3.xml><?xml version="1.0" encoding="utf-8"?>
 <p:sld xmlns:a="http://schemas.openxmlformats.org/drawingml/2006/main" xmlns:r="http://schemas.openxmlformats.org/officeDocument/2006/relationships" xmlns:p="http://schemas.openxmlformats.org/presentationml/2006/main">
   <p:cSld>
@@ -3568,7 +4552,7 @@
     </p:spTree>
     <p:extLst>
       <p:ext uri="{BB962C8B-B14F-4D97-AF65-F5344CB8AC3E}">
-        <p14:creationId xmlns:p14="http://schemas.microsoft.com/office/powerpoint/2010/main" val="1337937675"/>
+        <p14:creationId xmlns:p14="http://schemas.microsoft.com/office/powerpoint/2010/main" val="106146940"/>
       </p:ext>
     </p:extLst>
   </p:cSld>
@@ -3648,7 +4632,7 @@
     </p:spTree>
     <p:extLst>
       <p:ext uri="{BB962C8B-B14F-4D97-AF65-F5344CB8AC3E}">
-        <p14:creationId xmlns:p14="http://schemas.microsoft.com/office/powerpoint/2010/main" val="1411945869"/>
+        <p14:creationId xmlns:p14="http://schemas.microsoft.com/office/powerpoint/2010/main" val="1917578343"/>
       </p:ext>
     </p:extLst>
   </p:cSld>
@@ -3728,7 +4712,327 @@
     </p:spTree>
     <p:extLst>
       <p:ext uri="{BB962C8B-B14F-4D97-AF65-F5344CB8AC3E}">
-        <p14:creationId xmlns:p14="http://schemas.microsoft.com/office/powerpoint/2010/main" val="43189027"/>
+        <p14:creationId xmlns:p14="http://schemas.microsoft.com/office/powerpoint/2010/main" val="4273126527"/>
+      </p:ext>
+    </p:extLst>
+  </p:cSld>
+  <p:clrMapOvr>
+    <a:masterClrMapping/>
+  </p:clrMapOvr>
+</p:sld>
+</file>
+
+<file path=ppt/slides/slide6.xml><?xml version="1.0" encoding="utf-8"?>
+<p:sld xmlns:a="http://schemas.openxmlformats.org/drawingml/2006/main" xmlns:r="http://schemas.openxmlformats.org/officeDocument/2006/relationships" xmlns:p="http://schemas.openxmlformats.org/presentationml/2006/main">
+  <p:cSld>
+    <p:spTree>
+      <p:nvGrpSpPr>
+        <p:cNvPr id="1" name=""/>
+        <p:cNvGrpSpPr/>
+        <p:nvPr/>
+      </p:nvGrpSpPr>
+      <p:grpSpPr>
+        <a:xfrm>
+          <a:off x="0" y="0"/>
+          <a:ext cx="0" cy="0"/>
+          <a:chOff x="0" y="0"/>
+          <a:chExt cx="0" cy="0"/>
+        </a:xfrm>
+      </p:grpSpPr>
+      <p:sp>
+        <p:nvSpPr>
+          <p:cNvPr id="2" name="Title 1">
+            <a:extLst>
+              <a:ext uri="{FF2B5EF4-FFF2-40B4-BE49-F238E27FC236}">
+                <a16:creationId xmlns:a16="http://schemas.microsoft.com/office/drawing/2014/main" id="{84BB5F05-2B77-4CD4-88FC-C9D70093E6F1}"/>
+              </a:ext>
+            </a:extLst>
+          </p:cNvPr>
+          <p:cNvSpPr>
+            <a:spLocks noGrp="1"/>
+          </p:cNvSpPr>
+          <p:nvPr>
+            <p:ph type="ctrTitle"/>
+          </p:nvPr>
+        </p:nvSpPr>
+        <p:spPr/>
+        <p:txBody>
+          <a:bodyPr/>
+          <a:lstStyle/>
+          <a:p>
+            <a:endParaRPr lang="en-US"/>
+          </a:p>
+        </p:txBody>
+      </p:sp>
+      <p:sp>
+        <p:nvSpPr>
+          <p:cNvPr id="3" name="Subtitle 2">
+            <a:extLst>
+              <a:ext uri="{FF2B5EF4-FFF2-40B4-BE49-F238E27FC236}">
+                <a16:creationId xmlns:a16="http://schemas.microsoft.com/office/drawing/2014/main" id="{29A1FD6D-78B0-C1CC-F03D-5161C2A0623E}"/>
+              </a:ext>
+            </a:extLst>
+          </p:cNvPr>
+          <p:cNvSpPr>
+            <a:spLocks noGrp="1"/>
+          </p:cNvSpPr>
+          <p:nvPr>
+            <p:ph type="subTitle" idx="1"/>
+          </p:nvPr>
+        </p:nvSpPr>
+        <p:spPr/>
+        <p:txBody>
+          <a:bodyPr/>
+          <a:lstStyle/>
+          <a:p>
+            <a:endParaRPr lang="en-US"/>
+          </a:p>
+        </p:txBody>
+      </p:sp>
+    </p:spTree>
+    <p:extLst>
+      <p:ext uri="{BB962C8B-B14F-4D97-AF65-F5344CB8AC3E}">
+        <p14:creationId xmlns:p14="http://schemas.microsoft.com/office/powerpoint/2010/main" val="4104958505"/>
+      </p:ext>
+    </p:extLst>
+  </p:cSld>
+  <p:clrMapOvr>
+    <a:masterClrMapping/>
+  </p:clrMapOvr>
+</p:sld>
+</file>
+
+<file path=ppt/slides/slide7.xml><?xml version="1.0" encoding="utf-8"?>
+<p:sld xmlns:a="http://schemas.openxmlformats.org/drawingml/2006/main" xmlns:r="http://schemas.openxmlformats.org/officeDocument/2006/relationships" xmlns:p="http://schemas.openxmlformats.org/presentationml/2006/main">
+  <p:cSld>
+    <p:spTree>
+      <p:nvGrpSpPr>
+        <p:cNvPr id="1" name=""/>
+        <p:cNvGrpSpPr/>
+        <p:nvPr/>
+      </p:nvGrpSpPr>
+      <p:grpSpPr>
+        <a:xfrm>
+          <a:off x="0" y="0"/>
+          <a:ext cx="0" cy="0"/>
+          <a:chOff x="0" y="0"/>
+          <a:chExt cx="0" cy="0"/>
+        </a:xfrm>
+      </p:grpSpPr>
+      <p:sp>
+        <p:nvSpPr>
+          <p:cNvPr id="2" name="Title 1">
+            <a:extLst>
+              <a:ext uri="{FF2B5EF4-FFF2-40B4-BE49-F238E27FC236}">
+                <a16:creationId xmlns:a16="http://schemas.microsoft.com/office/drawing/2014/main" id="{84BB5F05-2B77-4CD4-88FC-C9D70093E6F1}"/>
+              </a:ext>
+            </a:extLst>
+          </p:cNvPr>
+          <p:cNvSpPr>
+            <a:spLocks noGrp="1"/>
+          </p:cNvSpPr>
+          <p:nvPr>
+            <p:ph type="ctrTitle"/>
+          </p:nvPr>
+        </p:nvSpPr>
+        <p:spPr/>
+        <p:txBody>
+          <a:bodyPr/>
+          <a:lstStyle/>
+          <a:p>
+            <a:endParaRPr lang="en-US"/>
+          </a:p>
+        </p:txBody>
+      </p:sp>
+      <p:sp>
+        <p:nvSpPr>
+          <p:cNvPr id="3" name="Subtitle 2">
+            <a:extLst>
+              <a:ext uri="{FF2B5EF4-FFF2-40B4-BE49-F238E27FC236}">
+                <a16:creationId xmlns:a16="http://schemas.microsoft.com/office/drawing/2014/main" id="{29A1FD6D-78B0-C1CC-F03D-5161C2A0623E}"/>
+              </a:ext>
+            </a:extLst>
+          </p:cNvPr>
+          <p:cNvSpPr>
+            <a:spLocks noGrp="1"/>
+          </p:cNvSpPr>
+          <p:nvPr>
+            <p:ph type="subTitle" idx="1"/>
+          </p:nvPr>
+        </p:nvSpPr>
+        <p:spPr/>
+        <p:txBody>
+          <a:bodyPr/>
+          <a:lstStyle/>
+          <a:p>
+            <a:endParaRPr lang="en-US"/>
+          </a:p>
+        </p:txBody>
+      </p:sp>
+    </p:spTree>
+    <p:extLst>
+      <p:ext uri="{BB962C8B-B14F-4D97-AF65-F5344CB8AC3E}">
+        <p14:creationId xmlns:p14="http://schemas.microsoft.com/office/powerpoint/2010/main" val="3557656396"/>
+      </p:ext>
+    </p:extLst>
+  </p:cSld>
+  <p:clrMapOvr>
+    <a:masterClrMapping/>
+  </p:clrMapOvr>
+</p:sld>
+</file>
+
+<file path=ppt/slides/slide8.xml><?xml version="1.0" encoding="utf-8"?>
+<p:sld xmlns:a="http://schemas.openxmlformats.org/drawingml/2006/main" xmlns:r="http://schemas.openxmlformats.org/officeDocument/2006/relationships" xmlns:p="http://schemas.openxmlformats.org/presentationml/2006/main">
+  <p:cSld>
+    <p:spTree>
+      <p:nvGrpSpPr>
+        <p:cNvPr id="1" name=""/>
+        <p:cNvGrpSpPr/>
+        <p:nvPr/>
+      </p:nvGrpSpPr>
+      <p:grpSpPr>
+        <a:xfrm>
+          <a:off x="0" y="0"/>
+          <a:ext cx="0" cy="0"/>
+          <a:chOff x="0" y="0"/>
+          <a:chExt cx="0" cy="0"/>
+        </a:xfrm>
+      </p:grpSpPr>
+      <p:sp>
+        <p:nvSpPr>
+          <p:cNvPr id="2" name="Title 1">
+            <a:extLst>
+              <a:ext uri="{FF2B5EF4-FFF2-40B4-BE49-F238E27FC236}">
+                <a16:creationId xmlns:a16="http://schemas.microsoft.com/office/drawing/2014/main" id="{84BB5F05-2B77-4CD4-88FC-C9D70093E6F1}"/>
+              </a:ext>
+            </a:extLst>
+          </p:cNvPr>
+          <p:cNvSpPr>
+            <a:spLocks noGrp="1"/>
+          </p:cNvSpPr>
+          <p:nvPr>
+            <p:ph type="ctrTitle"/>
+          </p:nvPr>
+        </p:nvSpPr>
+        <p:spPr/>
+        <p:txBody>
+          <a:bodyPr/>
+          <a:lstStyle/>
+          <a:p>
+            <a:endParaRPr lang="en-US"/>
+          </a:p>
+        </p:txBody>
+      </p:sp>
+      <p:sp>
+        <p:nvSpPr>
+          <p:cNvPr id="3" name="Subtitle 2">
+            <a:extLst>
+              <a:ext uri="{FF2B5EF4-FFF2-40B4-BE49-F238E27FC236}">
+                <a16:creationId xmlns:a16="http://schemas.microsoft.com/office/drawing/2014/main" id="{29A1FD6D-78B0-C1CC-F03D-5161C2A0623E}"/>
+              </a:ext>
+            </a:extLst>
+          </p:cNvPr>
+          <p:cNvSpPr>
+            <a:spLocks noGrp="1"/>
+          </p:cNvSpPr>
+          <p:nvPr>
+            <p:ph type="subTitle" idx="1"/>
+          </p:nvPr>
+        </p:nvSpPr>
+        <p:spPr/>
+        <p:txBody>
+          <a:bodyPr/>
+          <a:lstStyle/>
+          <a:p>
+            <a:endParaRPr lang="en-US"/>
+          </a:p>
+        </p:txBody>
+      </p:sp>
+    </p:spTree>
+    <p:extLst>
+      <p:ext uri="{BB962C8B-B14F-4D97-AF65-F5344CB8AC3E}">
+        <p14:creationId xmlns:p14="http://schemas.microsoft.com/office/powerpoint/2010/main" val="1337937675"/>
+      </p:ext>
+    </p:extLst>
+  </p:cSld>
+  <p:clrMapOvr>
+    <a:masterClrMapping/>
+  </p:clrMapOvr>
+</p:sld>
+</file>
+
+<file path=ppt/slides/slide9.xml><?xml version="1.0" encoding="utf-8"?>
+<p:sld xmlns:a="http://schemas.openxmlformats.org/drawingml/2006/main" xmlns:r="http://schemas.openxmlformats.org/officeDocument/2006/relationships" xmlns:p="http://schemas.openxmlformats.org/presentationml/2006/main">
+  <p:cSld>
+    <p:spTree>
+      <p:nvGrpSpPr>
+        <p:cNvPr id="1" name=""/>
+        <p:cNvGrpSpPr/>
+        <p:nvPr/>
+      </p:nvGrpSpPr>
+      <p:grpSpPr>
+        <a:xfrm>
+          <a:off x="0" y="0"/>
+          <a:ext cx="0" cy="0"/>
+          <a:chOff x="0" y="0"/>
+          <a:chExt cx="0" cy="0"/>
+        </a:xfrm>
+      </p:grpSpPr>
+      <p:sp>
+        <p:nvSpPr>
+          <p:cNvPr id="2" name="Title 1">
+            <a:extLst>
+              <a:ext uri="{FF2B5EF4-FFF2-40B4-BE49-F238E27FC236}">
+                <a16:creationId xmlns:a16="http://schemas.microsoft.com/office/drawing/2014/main" id="{84BB5F05-2B77-4CD4-88FC-C9D70093E6F1}"/>
+              </a:ext>
+            </a:extLst>
+          </p:cNvPr>
+          <p:cNvSpPr>
+            <a:spLocks noGrp="1"/>
+          </p:cNvSpPr>
+          <p:nvPr>
+            <p:ph type="ctrTitle"/>
+          </p:nvPr>
+        </p:nvSpPr>
+        <p:spPr/>
+        <p:txBody>
+          <a:bodyPr/>
+          <a:lstStyle/>
+          <a:p>
+            <a:endParaRPr lang="en-US"/>
+          </a:p>
+        </p:txBody>
+      </p:sp>
+      <p:sp>
+        <p:nvSpPr>
+          <p:cNvPr id="3" name="Subtitle 2">
+            <a:extLst>
+              <a:ext uri="{FF2B5EF4-FFF2-40B4-BE49-F238E27FC236}">
+                <a16:creationId xmlns:a16="http://schemas.microsoft.com/office/drawing/2014/main" id="{29A1FD6D-78B0-C1CC-F03D-5161C2A0623E}"/>
+              </a:ext>
+            </a:extLst>
+          </p:cNvPr>
+          <p:cNvSpPr>
+            <a:spLocks noGrp="1"/>
+          </p:cNvSpPr>
+          <p:nvPr>
+            <p:ph type="subTitle" idx="1"/>
+          </p:nvPr>
+        </p:nvSpPr>
+        <p:spPr/>
+        <p:txBody>
+          <a:bodyPr/>
+          <a:lstStyle/>
+          <a:p>
+            <a:endParaRPr lang="en-US"/>
+          </a:p>
+        </p:txBody>
+      </p:sp>
+    </p:spTree>
+    <p:extLst>
+      <p:ext uri="{BB962C8B-B14F-4D97-AF65-F5344CB8AC3E}">
+        <p14:creationId xmlns:p14="http://schemas.microsoft.com/office/powerpoint/2010/main" val="1411945869"/>
       </p:ext>
     </p:extLst>
   </p:cSld>
